--- a/DOCS/FreEzMenu2.pptx
+++ b/DOCS/FreEzMenu2.pptx
@@ -116,6 +116,11 @@
       </a:defRPr>
     </a:lvl9pPr>
   </p:defaultTextStyle>
+  <p:extLst>
+    <p:ext uri="{EFAFB233-063F-42B5-8137-9DF3F51BA10A}">
+      <p15:sldGuideLst xmlns:p15="http://schemas.microsoft.com/office/powerpoint/2012/main"/>
+    </p:ext>
+  </p:extLst>
 </p:presentation>
 </file>
 
@@ -11388,7 +11393,7 @@
         <p:fade/>
       </p:transition>
     </mc:Choice>
-    <mc:Fallback xmlns:p15="http://schemas.microsoft.com/office/powerpoint/2012/main" xmlns="">
+    <mc:Fallback xmlns="" xmlns:p15="http://schemas.microsoft.com/office/powerpoint/2012/main">
       <p:transition spd="med">
         <p:fade/>
       </p:transition>
@@ -11466,7 +11471,7 @@
         <p:fade/>
       </p:transition>
     </mc:Choice>
-    <mc:Fallback xmlns:p15="http://schemas.microsoft.com/office/powerpoint/2012/main" xmlns="">
+    <mc:Fallback xmlns="" xmlns:p15="http://schemas.microsoft.com/office/powerpoint/2012/main">
       <p:transition spd="med">
         <p:fade/>
       </p:transition>
@@ -11616,7 +11621,7 @@
         <p:fade/>
       </p:transition>
     </mc:Choice>
-    <mc:Fallback xmlns:p15="http://schemas.microsoft.com/office/powerpoint/2012/main" xmlns="">
+    <mc:Fallback xmlns="" xmlns:p15="http://schemas.microsoft.com/office/powerpoint/2012/main">
       <p:transition spd="med">
         <p:fade/>
       </p:transition>
@@ -11765,7 +11770,7 @@
         <p:fade/>
       </p:transition>
     </mc:Choice>
-    <mc:Fallback xmlns:p15="http://schemas.microsoft.com/office/powerpoint/2012/main" xmlns="">
+    <mc:Fallback xmlns="" xmlns:p15="http://schemas.microsoft.com/office/powerpoint/2012/main">
       <p:transition spd="med">
         <p:fade/>
       </p:transition>
@@ -11887,7 +11892,7 @@
               <a:buChar char="•"/>
             </a:pPr>
             <a:r>
-              <a:rPr lang="en-US" sz="2500" b="1" strike="noStrike" spc="-1">
+              <a:rPr lang="en-US" sz="2500" b="1" strike="noStrike" spc="-1" dirty="0">
                 <a:solidFill>
                   <a:srgbClr val="007474"/>
                 </a:solidFill>
@@ -11896,10 +11901,10 @@
               <a:t>Costly and expensive</a:t>
             </a:r>
             <a:br>
-              <a:rPr sz="2500"/>
+              <a:rPr sz="2500" dirty="0"/>
             </a:br>
             <a:r>
-              <a:rPr lang="en-US" sz="2500" b="0" strike="noStrike" spc="-1">
+              <a:rPr lang="en-US" sz="2500" b="0" strike="noStrike" spc="-1" dirty="0">
                 <a:solidFill>
                   <a:srgbClr val="007474"/>
                 </a:solidFill>
@@ -11907,7 +11912,7 @@
               </a:rPr>
               <a:t>- Software development costs: professionals, infrastructure, research, testing, updates, support.</a:t>
             </a:r>
-            <a:endParaRPr lang="en-US" sz="2500" b="0" strike="noStrike" spc="-1">
+            <a:endParaRPr lang="en-US" sz="2500" b="0" strike="noStrike" spc="-1" dirty="0">
               <a:solidFill>
                 <a:srgbClr val="FFFFFF"/>
               </a:solidFill>
@@ -11924,7 +11929,7 @@
               </a:spcBef>
               <a:buNone/>
             </a:pPr>
-            <a:endParaRPr lang="en-US" sz="2500" b="0" strike="noStrike" spc="-1">
+            <a:endParaRPr lang="en-US" sz="2500" b="0" strike="noStrike" spc="-1" dirty="0">
               <a:solidFill>
                 <a:srgbClr val="FFFFFF"/>
               </a:solidFill>
@@ -11932,7 +11937,7 @@
             </a:endParaRPr>
           </a:p>
           <a:p>
-            <a:pPr marL="304920" indent="-304920" algn="just">
+            <a:pPr marL="304920" indent="-304920">
               <a:lnSpc>
                 <a:spcPct val="90000"/>
               </a:lnSpc>
@@ -11946,27 +11951,15 @@
               <a:buChar char="•"/>
             </a:pPr>
             <a:r>
-              <a:rPr lang="en-US" sz="2500" b="0" strike="noStrike" spc="-1">
+              <a:rPr lang="en-US" sz="2500" b="0" strike="noStrike" spc="-1" dirty="0">
                 <a:solidFill>
                   <a:srgbClr val="007474"/>
                 </a:solidFill>
                 <a:latin typeface="Calibri"/>
               </a:rPr>
-              <a:t>The challenge of acquiring developers for the purpose of designing food menus</a:t>
+              <a:t>The challenge of acquiring developers for the purpose of designing and developing a digital menu or kiosk</a:t>
             </a:r>
-            <a:br>
-              <a:rPr sz="2500"/>
-            </a:br>
-            <a:r>
-              <a:rPr lang="en-US" sz="2500" b="0" strike="noStrike" spc="-1">
-                <a:solidFill>
-                  <a:srgbClr val="007474"/>
-                </a:solidFill>
-                <a:latin typeface="Calibri"/>
-              </a:rPr>
-              <a:t>- Menu design needs skilled developers, insufficient in the market.</a:t>
-            </a:r>
-            <a:endParaRPr lang="en-US" sz="2500" b="0" strike="noStrike" spc="-1">
+            <a:endParaRPr lang="en-US" sz="2500" b="0" strike="noStrike" spc="-1" dirty="0">
               <a:solidFill>
                 <a:srgbClr val="FFFFFF"/>
               </a:solidFill>
@@ -11974,7 +11967,7 @@
             </a:endParaRPr>
           </a:p>
           <a:p>
-            <a:pPr algn="just">
+            <a:pPr>
               <a:lnSpc>
                 <a:spcPct val="90000"/>
               </a:lnSpc>
@@ -11983,7 +11976,7 @@
               </a:spcBef>
               <a:buNone/>
             </a:pPr>
-            <a:endParaRPr lang="en-US" sz="2500" b="0" strike="noStrike" spc="-1">
+            <a:endParaRPr lang="en-US" sz="2500" b="0" strike="noStrike" spc="-1" dirty="0">
               <a:solidFill>
                 <a:srgbClr val="FFFFFF"/>
               </a:solidFill>
@@ -11991,7 +11984,7 @@
             </a:endParaRPr>
           </a:p>
           <a:p>
-            <a:pPr marL="304920" indent="-304920" algn="just">
+            <a:pPr marL="304920" indent="-304920">
               <a:lnSpc>
                 <a:spcPct val="90000"/>
               </a:lnSpc>
@@ -12005,19 +11998,19 @@
               <a:buChar char="•"/>
             </a:pPr>
             <a:r>
-              <a:rPr lang="en-US" sz="2500" b="0" strike="noStrike" spc="-1">
+              <a:rPr lang="en-US" sz="2500" b="0" strike="noStrike" spc="-1" dirty="0">
                 <a:solidFill>
                   <a:srgbClr val="007474"/>
                 </a:solidFill>
                 <a:latin typeface="Calibri"/>
               </a:rPr>
-              <a:t>Designing a food menu necessitates a considerable amount of time and effort</a:t>
+              <a:t>Designing and developing a digital menu or kiosk requires a considerable amount of time and effort</a:t>
             </a:r>
             <a:br>
-              <a:rPr sz="2500"/>
+              <a:rPr sz="2500" dirty="0"/>
             </a:br>
             <a:r>
-              <a:rPr lang="en-US" sz="2500" b="0" strike="noStrike" spc="-1">
+              <a:rPr lang="en-US" sz="2500" b="0" strike="noStrike" spc="-1" dirty="0">
                 <a:solidFill>
                   <a:srgbClr val="007474"/>
                 </a:solidFill>
@@ -12025,7 +12018,7 @@
               </a:rPr>
               <a:t>- Menu design: planning, elements, revisions for effective communication.</a:t>
             </a:r>
-            <a:endParaRPr lang="en-US" sz="2500" b="0" strike="noStrike" spc="-1">
+            <a:endParaRPr lang="en-US" sz="2500" b="0" strike="noStrike" spc="-1" dirty="0">
               <a:solidFill>
                 <a:srgbClr val="FFFFFF"/>
               </a:solidFill>
@@ -12042,7 +12035,7 @@
               </a:spcBef>
               <a:buNone/>
             </a:pPr>
-            <a:endParaRPr lang="en-US" sz="2500" b="0" strike="noStrike" spc="-1">
+            <a:endParaRPr lang="en-US" sz="2500" b="0" strike="noStrike" spc="-1" dirty="0">
               <a:solidFill>
                 <a:srgbClr val="FFFFFF"/>
               </a:solidFill>
@@ -12062,7 +12055,7 @@
         <p:fade/>
       </p:transition>
     </mc:Choice>
-    <mc:Fallback xmlns:p15="http://schemas.microsoft.com/office/powerpoint/2012/main" xmlns="">
+    <mc:Fallback xmlns="" xmlns:p15="http://schemas.microsoft.com/office/powerpoint/2012/main">
       <p:transition spd="med">
         <p:fade/>
       </p:transition>
@@ -12184,7 +12177,7 @@
               <a:buChar char="•"/>
             </a:pPr>
             <a:r>
-              <a:rPr lang="en-US" sz="2800" b="0" strike="noStrike" spc="-1">
+              <a:rPr lang="en-US" sz="2800" b="0" strike="noStrike" spc="-1" dirty="0">
                 <a:solidFill>
                   <a:srgbClr val="007D7D"/>
                 </a:solidFill>
@@ -12192,7 +12185,7 @@
               </a:rPr>
               <a:t>Free to use application.</a:t>
             </a:r>
-            <a:endParaRPr lang="en-US" sz="2800" b="0" strike="noStrike" spc="-1">
+            <a:endParaRPr lang="en-US" sz="2800" b="0" strike="noStrike" spc="-1" dirty="0">
               <a:solidFill>
                 <a:srgbClr val="FFFFFF"/>
               </a:solidFill>
@@ -12209,7 +12202,7 @@
               </a:spcBef>
               <a:buNone/>
             </a:pPr>
-            <a:endParaRPr lang="en-US" sz="2800" b="0" strike="noStrike" spc="-1">
+            <a:endParaRPr lang="en-US" sz="2800" b="0" strike="noStrike" spc="-1" dirty="0">
               <a:solidFill>
                 <a:srgbClr val="FFFFFF"/>
               </a:solidFill>
@@ -12231,15 +12224,15 @@
               <a:buChar char="•"/>
             </a:pPr>
             <a:r>
-              <a:rPr lang="en-US" sz="2800" b="0" strike="noStrike" spc="-1">
+              <a:rPr lang="en-US" sz="2800" b="0" strike="noStrike" spc="-1" dirty="0">
                 <a:solidFill>
                   <a:srgbClr val="007D7D"/>
                 </a:solidFill>
                 <a:latin typeface="Calibri"/>
               </a:rPr>
-              <a:t>There is no requirement to engage the services of developers or programmers for menu design, as the software being developed by the researchers prioritizes user-friendly functionality.</a:t>
+              <a:t>There is no need to require the services of developers or programmers to design and develop a digital menu or kiosk, as the software being developed by the researchers prioritizes user-friendly functionality.</a:t>
             </a:r>
-            <a:endParaRPr lang="en-US" sz="2800" b="0" strike="noStrike" spc="-1">
+            <a:endParaRPr lang="en-US" sz="2800" b="0" strike="noStrike" spc="-1" dirty="0">
               <a:solidFill>
                 <a:srgbClr val="FFFFFF"/>
               </a:solidFill>
@@ -12256,7 +12249,7 @@
               </a:spcBef>
               <a:buNone/>
             </a:pPr>
-            <a:endParaRPr lang="en-US" sz="2800" b="0" strike="noStrike" spc="-1">
+            <a:endParaRPr lang="en-US" sz="2800" b="0" strike="noStrike" spc="-1" dirty="0">
               <a:solidFill>
                 <a:srgbClr val="FFFFFF"/>
               </a:solidFill>
@@ -12273,7 +12266,7 @@
               </a:spcBef>
               <a:buNone/>
             </a:pPr>
-            <a:endParaRPr lang="en-US" sz="2800" b="0" strike="noStrike" spc="-1">
+            <a:endParaRPr lang="en-US" sz="2800" b="0" strike="noStrike" spc="-1" dirty="0">
               <a:solidFill>
                 <a:srgbClr val="FFFFFF"/>
               </a:solidFill>
@@ -12293,7 +12286,7 @@
         <p:fade/>
       </p:transition>
     </mc:Choice>
-    <mc:Fallback xmlns:p15="http://schemas.microsoft.com/office/powerpoint/2012/main" xmlns="">
+    <mc:Fallback xmlns="" xmlns:p15="http://schemas.microsoft.com/office/powerpoint/2012/main">
       <p:transition spd="med">
         <p:fade/>
       </p:transition>
@@ -12680,8 +12673,8 @@
         </p:blipFill>
         <p:spPr>
           <a:xfrm>
-            <a:off x="8458200" y="840960"/>
-            <a:ext cx="3409560" cy="5721480"/>
+            <a:off x="7905600" y="295564"/>
+            <a:ext cx="3962160" cy="6266876"/>
           </a:xfrm>
           <a:prstGeom prst="rect">
             <a:avLst/>
@@ -12702,7 +12695,7 @@
         <p:fade/>
       </p:transition>
     </mc:Choice>
-    <mc:Fallback xmlns:p15="http://schemas.microsoft.com/office/powerpoint/2012/main" xmlns="">
+    <mc:Fallback xmlns="" xmlns:p15="http://schemas.microsoft.com/office/powerpoint/2012/main">
       <p:transition spd="med">
         <p:fade/>
       </p:transition>
@@ -13059,8 +13052,8 @@
         </p:blipFill>
         <p:spPr>
           <a:xfrm>
-            <a:off x="8229600" y="1143000"/>
-            <a:ext cx="3628800" cy="4581000"/>
+            <a:off x="7518399" y="558687"/>
+            <a:ext cx="4460073" cy="5457240"/>
           </a:xfrm>
           <a:prstGeom prst="rect">
             <a:avLst/>
@@ -13081,7 +13074,7 @@
         <p:fade/>
       </p:transition>
     </mc:Choice>
-    <mc:Fallback xmlns:p15="http://schemas.microsoft.com/office/powerpoint/2012/main" xmlns="">
+    <mc:Fallback xmlns="" xmlns:p15="http://schemas.microsoft.com/office/powerpoint/2012/main">
       <p:transition spd="med">
         <p:fade/>
       </p:transition>
@@ -13226,7 +13219,7 @@
         <p:fade/>
       </p:transition>
     </mc:Choice>
-    <mc:Fallback xmlns:p15="http://schemas.microsoft.com/office/powerpoint/2012/main" xmlns="">
+    <mc:Fallback xmlns="" xmlns:p15="http://schemas.microsoft.com/office/powerpoint/2012/main">
       <p:transition spd="med">
         <p:fade/>
       </p:transition>
@@ -13357,7 +13350,7 @@
         <p:fade/>
       </p:transition>
     </mc:Choice>
-    <mc:Fallback xmlns:p15="http://schemas.microsoft.com/office/powerpoint/2012/main" xmlns="">
+    <mc:Fallback xmlns="" xmlns:p15="http://schemas.microsoft.com/office/powerpoint/2012/main">
       <p:transition spd="med">
         <p:fade/>
       </p:transition>
@@ -13435,7 +13428,7 @@
         <p:fade/>
       </p:transition>
     </mc:Choice>
-    <mc:Fallback xmlns:p15="http://schemas.microsoft.com/office/powerpoint/2012/main" xmlns="">
+    <mc:Fallback xmlns="" xmlns:p15="http://schemas.microsoft.com/office/powerpoint/2012/main">
       <p:transition spd="med">
         <p:fade/>
       </p:transition>

--- a/DOCS/FreEzMenu2.pptx
+++ b/DOCS/FreEzMenu2.pptx
@@ -116,11 +116,6 @@
       </a:defRPr>
     </a:lvl9pPr>
   </p:defaultTextStyle>
-  <p:extLst>
-    <p:ext uri="{EFAFB233-063F-42B5-8137-9DF3F51BA10A}">
-      <p15:sldGuideLst xmlns:p15="http://schemas.microsoft.com/office/powerpoint/2012/main"/>
-    </p:ext>
-  </p:extLst>
 </p:presentation>
 </file>
 
@@ -11393,7 +11388,7 @@
         <p:fade/>
       </p:transition>
     </mc:Choice>
-    <mc:Fallback xmlns="" xmlns:p15="http://schemas.microsoft.com/office/powerpoint/2012/main">
+    <mc:Fallback xmlns:p15="http://schemas.microsoft.com/office/powerpoint/2012/main" xmlns="">
       <p:transition spd="med">
         <p:fade/>
       </p:transition>
@@ -11471,7 +11466,7 @@
         <p:fade/>
       </p:transition>
     </mc:Choice>
-    <mc:Fallback xmlns="" xmlns:p15="http://schemas.microsoft.com/office/powerpoint/2012/main">
+    <mc:Fallback xmlns:p15="http://schemas.microsoft.com/office/powerpoint/2012/main" xmlns="">
       <p:transition spd="med">
         <p:fade/>
       </p:transition>
@@ -11621,7 +11616,7 @@
         <p:fade/>
       </p:transition>
     </mc:Choice>
-    <mc:Fallback xmlns="" xmlns:p15="http://schemas.microsoft.com/office/powerpoint/2012/main">
+    <mc:Fallback xmlns:p15="http://schemas.microsoft.com/office/powerpoint/2012/main" xmlns="">
       <p:transition spd="med">
         <p:fade/>
       </p:transition>
@@ -11770,7 +11765,7 @@
         <p:fade/>
       </p:transition>
     </mc:Choice>
-    <mc:Fallback xmlns="" xmlns:p15="http://schemas.microsoft.com/office/powerpoint/2012/main">
+    <mc:Fallback xmlns:p15="http://schemas.microsoft.com/office/powerpoint/2012/main" xmlns="">
       <p:transition spd="med">
         <p:fade/>
       </p:transition>
@@ -11892,7 +11887,7 @@
               <a:buChar char="•"/>
             </a:pPr>
             <a:r>
-              <a:rPr lang="en-US" sz="2500" b="1" strike="noStrike" spc="-1" dirty="0">
+              <a:rPr lang="en-US" sz="2500" b="1" strike="noStrike" spc="-1">
                 <a:solidFill>
                   <a:srgbClr val="007474"/>
                 </a:solidFill>
@@ -11901,10 +11896,10 @@
               <a:t>Costly and expensive</a:t>
             </a:r>
             <a:br>
-              <a:rPr sz="2500" dirty="0"/>
+              <a:rPr sz="2500"/>
             </a:br>
             <a:r>
-              <a:rPr lang="en-US" sz="2500" b="0" strike="noStrike" spc="-1" dirty="0">
+              <a:rPr lang="en-US" sz="2500" b="0" strike="noStrike" spc="-1">
                 <a:solidFill>
                   <a:srgbClr val="007474"/>
                 </a:solidFill>
@@ -11912,7 +11907,7 @@
               </a:rPr>
               <a:t>- Software development costs: professionals, infrastructure, research, testing, updates, support.</a:t>
             </a:r>
-            <a:endParaRPr lang="en-US" sz="2500" b="0" strike="noStrike" spc="-1" dirty="0">
+            <a:endParaRPr lang="en-US" sz="2500" b="0" strike="noStrike" spc="-1">
               <a:solidFill>
                 <a:srgbClr val="FFFFFF"/>
               </a:solidFill>
@@ -11929,7 +11924,7 @@
               </a:spcBef>
               <a:buNone/>
             </a:pPr>
-            <a:endParaRPr lang="en-US" sz="2500" b="0" strike="noStrike" spc="-1" dirty="0">
+            <a:endParaRPr lang="en-US" sz="2500" b="0" strike="noStrike" spc="-1">
               <a:solidFill>
                 <a:srgbClr val="FFFFFF"/>
               </a:solidFill>
@@ -11937,7 +11932,7 @@
             </a:endParaRPr>
           </a:p>
           <a:p>
-            <a:pPr marL="304920" indent="-304920">
+            <a:pPr marL="304920" indent="-304920" algn="just">
               <a:lnSpc>
                 <a:spcPct val="90000"/>
               </a:lnSpc>
@@ -11951,15 +11946,27 @@
               <a:buChar char="•"/>
             </a:pPr>
             <a:r>
-              <a:rPr lang="en-US" sz="2500" b="0" strike="noStrike" spc="-1" dirty="0">
+              <a:rPr lang="en-US" sz="2500" b="0" strike="noStrike" spc="-1">
                 <a:solidFill>
                   <a:srgbClr val="007474"/>
                 </a:solidFill>
                 <a:latin typeface="Calibri"/>
               </a:rPr>
-              <a:t>The challenge of acquiring developers for the purpose of designing and developing a digital menu or kiosk</a:t>
+              <a:t>The challenge of acquiring developers for the purpose of designing food menus</a:t>
             </a:r>
-            <a:endParaRPr lang="en-US" sz="2500" b="0" strike="noStrike" spc="-1" dirty="0">
+            <a:br>
+              <a:rPr sz="2500"/>
+            </a:br>
+            <a:r>
+              <a:rPr lang="en-US" sz="2500" b="0" strike="noStrike" spc="-1">
+                <a:solidFill>
+                  <a:srgbClr val="007474"/>
+                </a:solidFill>
+                <a:latin typeface="Calibri"/>
+              </a:rPr>
+              <a:t>- Menu design needs skilled developers, insufficient in the market.</a:t>
+            </a:r>
+            <a:endParaRPr lang="en-US" sz="2500" b="0" strike="noStrike" spc="-1">
               <a:solidFill>
                 <a:srgbClr val="FFFFFF"/>
               </a:solidFill>
@@ -11967,7 +11974,7 @@
             </a:endParaRPr>
           </a:p>
           <a:p>
-            <a:pPr>
+            <a:pPr algn="just">
               <a:lnSpc>
                 <a:spcPct val="90000"/>
               </a:lnSpc>
@@ -11976,7 +11983,7 @@
               </a:spcBef>
               <a:buNone/>
             </a:pPr>
-            <a:endParaRPr lang="en-US" sz="2500" b="0" strike="noStrike" spc="-1" dirty="0">
+            <a:endParaRPr lang="en-US" sz="2500" b="0" strike="noStrike" spc="-1">
               <a:solidFill>
                 <a:srgbClr val="FFFFFF"/>
               </a:solidFill>
@@ -11984,7 +11991,7 @@
             </a:endParaRPr>
           </a:p>
           <a:p>
-            <a:pPr marL="304920" indent="-304920">
+            <a:pPr marL="304920" indent="-304920" algn="just">
               <a:lnSpc>
                 <a:spcPct val="90000"/>
               </a:lnSpc>
@@ -11998,19 +12005,19 @@
               <a:buChar char="•"/>
             </a:pPr>
             <a:r>
-              <a:rPr lang="en-US" sz="2500" b="0" strike="noStrike" spc="-1" dirty="0">
+              <a:rPr lang="en-US" sz="2500" b="0" strike="noStrike" spc="-1">
                 <a:solidFill>
                   <a:srgbClr val="007474"/>
                 </a:solidFill>
                 <a:latin typeface="Calibri"/>
               </a:rPr>
-              <a:t>Designing and developing a digital menu or kiosk requires a considerable amount of time and effort</a:t>
+              <a:t>Designing a food menu necessitates a considerable amount of time and effort</a:t>
             </a:r>
             <a:br>
-              <a:rPr sz="2500" dirty="0"/>
+              <a:rPr sz="2500"/>
             </a:br>
             <a:r>
-              <a:rPr lang="en-US" sz="2500" b="0" strike="noStrike" spc="-1" dirty="0">
+              <a:rPr lang="en-US" sz="2500" b="0" strike="noStrike" spc="-1">
                 <a:solidFill>
                   <a:srgbClr val="007474"/>
                 </a:solidFill>
@@ -12018,7 +12025,7 @@
               </a:rPr>
               <a:t>- Menu design: planning, elements, revisions for effective communication.</a:t>
             </a:r>
-            <a:endParaRPr lang="en-US" sz="2500" b="0" strike="noStrike" spc="-1" dirty="0">
+            <a:endParaRPr lang="en-US" sz="2500" b="0" strike="noStrike" spc="-1">
               <a:solidFill>
                 <a:srgbClr val="FFFFFF"/>
               </a:solidFill>
@@ -12035,7 +12042,7 @@
               </a:spcBef>
               <a:buNone/>
             </a:pPr>
-            <a:endParaRPr lang="en-US" sz="2500" b="0" strike="noStrike" spc="-1" dirty="0">
+            <a:endParaRPr lang="en-US" sz="2500" b="0" strike="noStrike" spc="-1">
               <a:solidFill>
                 <a:srgbClr val="FFFFFF"/>
               </a:solidFill>
@@ -12055,7 +12062,7 @@
         <p:fade/>
       </p:transition>
     </mc:Choice>
-    <mc:Fallback xmlns="" xmlns:p15="http://schemas.microsoft.com/office/powerpoint/2012/main">
+    <mc:Fallback xmlns:p15="http://schemas.microsoft.com/office/powerpoint/2012/main" xmlns="">
       <p:transition spd="med">
         <p:fade/>
       </p:transition>
@@ -12177,7 +12184,7 @@
               <a:buChar char="•"/>
             </a:pPr>
             <a:r>
-              <a:rPr lang="en-US" sz="2800" b="0" strike="noStrike" spc="-1" dirty="0">
+              <a:rPr lang="en-US" sz="2800" b="0" strike="noStrike" spc="-1">
                 <a:solidFill>
                   <a:srgbClr val="007D7D"/>
                 </a:solidFill>
@@ -12185,7 +12192,7 @@
               </a:rPr>
               <a:t>Free to use application.</a:t>
             </a:r>
-            <a:endParaRPr lang="en-US" sz="2800" b="0" strike="noStrike" spc="-1" dirty="0">
+            <a:endParaRPr lang="en-US" sz="2800" b="0" strike="noStrike" spc="-1">
               <a:solidFill>
                 <a:srgbClr val="FFFFFF"/>
               </a:solidFill>
@@ -12202,7 +12209,7 @@
               </a:spcBef>
               <a:buNone/>
             </a:pPr>
-            <a:endParaRPr lang="en-US" sz="2800" b="0" strike="noStrike" spc="-1" dirty="0">
+            <a:endParaRPr lang="en-US" sz="2800" b="0" strike="noStrike" spc="-1">
               <a:solidFill>
                 <a:srgbClr val="FFFFFF"/>
               </a:solidFill>
@@ -12224,15 +12231,15 @@
               <a:buChar char="•"/>
             </a:pPr>
             <a:r>
-              <a:rPr lang="en-US" sz="2800" b="0" strike="noStrike" spc="-1" dirty="0">
+              <a:rPr lang="en-US" sz="2800" b="0" strike="noStrike" spc="-1">
                 <a:solidFill>
                   <a:srgbClr val="007D7D"/>
                 </a:solidFill>
                 <a:latin typeface="Calibri"/>
               </a:rPr>
-              <a:t>There is no need to require the services of developers or programmers to design and develop a digital menu or kiosk, as the software being developed by the researchers prioritizes user-friendly functionality.</a:t>
+              <a:t>There is no requirement to engage the services of developers or programmers for menu design, as the software being developed by the researchers prioritizes user-friendly functionality.</a:t>
             </a:r>
-            <a:endParaRPr lang="en-US" sz="2800" b="0" strike="noStrike" spc="-1" dirty="0">
+            <a:endParaRPr lang="en-US" sz="2800" b="0" strike="noStrike" spc="-1">
               <a:solidFill>
                 <a:srgbClr val="FFFFFF"/>
               </a:solidFill>
@@ -12249,7 +12256,7 @@
               </a:spcBef>
               <a:buNone/>
             </a:pPr>
-            <a:endParaRPr lang="en-US" sz="2800" b="0" strike="noStrike" spc="-1" dirty="0">
+            <a:endParaRPr lang="en-US" sz="2800" b="0" strike="noStrike" spc="-1">
               <a:solidFill>
                 <a:srgbClr val="FFFFFF"/>
               </a:solidFill>
@@ -12266,7 +12273,7 @@
               </a:spcBef>
               <a:buNone/>
             </a:pPr>
-            <a:endParaRPr lang="en-US" sz="2800" b="0" strike="noStrike" spc="-1" dirty="0">
+            <a:endParaRPr lang="en-US" sz="2800" b="0" strike="noStrike" spc="-1">
               <a:solidFill>
                 <a:srgbClr val="FFFFFF"/>
               </a:solidFill>
@@ -12286,7 +12293,7 @@
         <p:fade/>
       </p:transition>
     </mc:Choice>
-    <mc:Fallback xmlns="" xmlns:p15="http://schemas.microsoft.com/office/powerpoint/2012/main">
+    <mc:Fallback xmlns:p15="http://schemas.microsoft.com/office/powerpoint/2012/main" xmlns="">
       <p:transition spd="med">
         <p:fade/>
       </p:transition>
@@ -12673,8 +12680,8 @@
         </p:blipFill>
         <p:spPr>
           <a:xfrm>
-            <a:off x="7905600" y="295564"/>
-            <a:ext cx="3962160" cy="6266876"/>
+            <a:off x="8458200" y="840960"/>
+            <a:ext cx="3409560" cy="5721480"/>
           </a:xfrm>
           <a:prstGeom prst="rect">
             <a:avLst/>
@@ -12695,7 +12702,7 @@
         <p:fade/>
       </p:transition>
     </mc:Choice>
-    <mc:Fallback xmlns="" xmlns:p15="http://schemas.microsoft.com/office/powerpoint/2012/main">
+    <mc:Fallback xmlns:p15="http://schemas.microsoft.com/office/powerpoint/2012/main" xmlns="">
       <p:transition spd="med">
         <p:fade/>
       </p:transition>
@@ -13052,8 +13059,8 @@
         </p:blipFill>
         <p:spPr>
           <a:xfrm>
-            <a:off x="7518399" y="558687"/>
-            <a:ext cx="4460073" cy="5457240"/>
+            <a:off x="8229600" y="1143000"/>
+            <a:ext cx="3628800" cy="4581000"/>
           </a:xfrm>
           <a:prstGeom prst="rect">
             <a:avLst/>
@@ -13074,7 +13081,7 @@
         <p:fade/>
       </p:transition>
     </mc:Choice>
-    <mc:Fallback xmlns="" xmlns:p15="http://schemas.microsoft.com/office/powerpoint/2012/main">
+    <mc:Fallback xmlns:p15="http://schemas.microsoft.com/office/powerpoint/2012/main" xmlns="">
       <p:transition spd="med">
         <p:fade/>
       </p:transition>
@@ -13219,7 +13226,7 @@
         <p:fade/>
       </p:transition>
     </mc:Choice>
-    <mc:Fallback xmlns="" xmlns:p15="http://schemas.microsoft.com/office/powerpoint/2012/main">
+    <mc:Fallback xmlns:p15="http://schemas.microsoft.com/office/powerpoint/2012/main" xmlns="">
       <p:transition spd="med">
         <p:fade/>
       </p:transition>
@@ -13350,7 +13357,7 @@
         <p:fade/>
       </p:transition>
     </mc:Choice>
-    <mc:Fallback xmlns="" xmlns:p15="http://schemas.microsoft.com/office/powerpoint/2012/main">
+    <mc:Fallback xmlns:p15="http://schemas.microsoft.com/office/powerpoint/2012/main" xmlns="">
       <p:transition spd="med">
         <p:fade/>
       </p:transition>
@@ -13428,7 +13435,7 @@
         <p:fade/>
       </p:transition>
     </mc:Choice>
-    <mc:Fallback xmlns="" xmlns:p15="http://schemas.microsoft.com/office/powerpoint/2012/main">
+    <mc:Fallback xmlns:p15="http://schemas.microsoft.com/office/powerpoint/2012/main" xmlns="">
       <p:transition spd="med">
         <p:fade/>
       </p:transition>
